--- a/powerpoint/Kmers_and_graphs.pptx
+++ b/powerpoint/Kmers_and_graphs.pptx
@@ -268,7 +268,7 @@
           <a:p>
             <a:fld id="{DEABCE53-1D99-4BEE-AE28-D2367C4FBEC7}" type="datetimeFigureOut">
               <a:rPr lang="en-GB" smtClean="0"/>
-              <a:t>05/10/2020</a:t>
+              <a:t>01/03/2021</a:t>
             </a:fld>
             <a:endParaRPr lang="en-GB"/>
           </a:p>
@@ -468,7 +468,7 @@
           <a:p>
             <a:fld id="{DEABCE53-1D99-4BEE-AE28-D2367C4FBEC7}" type="datetimeFigureOut">
               <a:rPr lang="en-GB" smtClean="0"/>
-              <a:t>05/10/2020</a:t>
+              <a:t>01/03/2021</a:t>
             </a:fld>
             <a:endParaRPr lang="en-GB"/>
           </a:p>
@@ -678,7 +678,7 @@
           <a:p>
             <a:fld id="{DEABCE53-1D99-4BEE-AE28-D2367C4FBEC7}" type="datetimeFigureOut">
               <a:rPr lang="en-GB" smtClean="0"/>
-              <a:t>05/10/2020</a:t>
+              <a:t>01/03/2021</a:t>
             </a:fld>
             <a:endParaRPr lang="en-GB"/>
           </a:p>
@@ -1221,7 +1221,7 @@
           <a:p>
             <a:fld id="{DEABCE53-1D99-4BEE-AE28-D2367C4FBEC7}" type="datetimeFigureOut">
               <a:rPr lang="en-GB" smtClean="0"/>
-              <a:t>05/10/2020</a:t>
+              <a:t>01/03/2021</a:t>
             </a:fld>
             <a:endParaRPr lang="en-GB"/>
           </a:p>
@@ -1497,7 +1497,7 @@
           <a:p>
             <a:fld id="{DEABCE53-1D99-4BEE-AE28-D2367C4FBEC7}" type="datetimeFigureOut">
               <a:rPr lang="en-GB" smtClean="0"/>
-              <a:t>05/10/2020</a:t>
+              <a:t>01/03/2021</a:t>
             </a:fld>
             <a:endParaRPr lang="en-GB"/>
           </a:p>
@@ -1765,7 +1765,7 @@
           <a:p>
             <a:fld id="{DEABCE53-1D99-4BEE-AE28-D2367C4FBEC7}" type="datetimeFigureOut">
               <a:rPr lang="en-GB" smtClean="0"/>
-              <a:t>05/10/2020</a:t>
+              <a:t>01/03/2021</a:t>
             </a:fld>
             <a:endParaRPr lang="en-GB"/>
           </a:p>
@@ -2180,7 +2180,7 @@
           <a:p>
             <a:fld id="{DEABCE53-1D99-4BEE-AE28-D2367C4FBEC7}" type="datetimeFigureOut">
               <a:rPr lang="en-GB" smtClean="0"/>
-              <a:t>05/10/2020</a:t>
+              <a:t>01/03/2021</a:t>
             </a:fld>
             <a:endParaRPr lang="en-GB"/>
           </a:p>
@@ -2322,7 +2322,7 @@
           <a:p>
             <a:fld id="{DEABCE53-1D99-4BEE-AE28-D2367C4FBEC7}" type="datetimeFigureOut">
               <a:rPr lang="en-GB" smtClean="0"/>
-              <a:t>05/10/2020</a:t>
+              <a:t>01/03/2021</a:t>
             </a:fld>
             <a:endParaRPr lang="en-GB"/>
           </a:p>
@@ -2435,7 +2435,7 @@
           <a:p>
             <a:fld id="{DEABCE53-1D99-4BEE-AE28-D2367C4FBEC7}" type="datetimeFigureOut">
               <a:rPr lang="en-GB" smtClean="0"/>
-              <a:t>05/10/2020</a:t>
+              <a:t>01/03/2021</a:t>
             </a:fld>
             <a:endParaRPr lang="en-GB"/>
           </a:p>
@@ -2748,7 +2748,7 @@
           <a:p>
             <a:fld id="{DEABCE53-1D99-4BEE-AE28-D2367C4FBEC7}" type="datetimeFigureOut">
               <a:rPr lang="en-GB" smtClean="0"/>
-              <a:t>05/10/2020</a:t>
+              <a:t>01/03/2021</a:t>
             </a:fld>
             <a:endParaRPr lang="en-GB"/>
           </a:p>
@@ -3037,7 +3037,7 @@
           <a:p>
             <a:fld id="{DEABCE53-1D99-4BEE-AE28-D2367C4FBEC7}" type="datetimeFigureOut">
               <a:rPr lang="en-GB" smtClean="0"/>
-              <a:t>05/10/2020</a:t>
+              <a:t>01/03/2021</a:t>
             </a:fld>
             <a:endParaRPr lang="en-GB"/>
           </a:p>
@@ -3280,7 +3280,7 @@
           <a:p>
             <a:fld id="{DEABCE53-1D99-4BEE-AE28-D2367C4FBEC7}" type="datetimeFigureOut">
               <a:rPr lang="en-GB" smtClean="0"/>
-              <a:t>05/10/2020</a:t>
+              <a:t>01/03/2021</a:t>
             </a:fld>
             <a:endParaRPr lang="en-GB"/>
           </a:p>
@@ -7912,8 +7912,14 @@
           <a:lstStyle/>
           <a:p>
             <a:r>
+              <a:rPr lang="en-GB" sz="1400" dirty="0">
+                <a:hlinkClick r:id="rId4"/>
+              </a:rPr>
+              <a:t>https://github.com/rrwick/Bandage/wiki/Effect-of-kmer-size</a:t>
+            </a:r>
+            <a:r>
               <a:rPr lang="en-GB" sz="1400" dirty="0"/>
-              <a:t>https://github.com/rrwick/Bandage/wiki/Effect-of-kmer-size</a:t>
+              <a:t> </a:t>
             </a:r>
           </a:p>
         </p:txBody>
@@ -7933,7 +7939,7 @@
           <p:nvPr/>
         </p:nvPicPr>
         <p:blipFill>
-          <a:blip r:embed="rId4">
+          <a:blip r:embed="rId5">
             <a:extLst>
               <a:ext uri="{28A0092B-C50C-407E-A947-70E740481C1C}">
                 <a14:useLocalDpi xmlns:a14="http://schemas.microsoft.com/office/drawing/2010/main" val="0"/>
@@ -8143,7 +8149,7 @@
           <a:p>
             <a:r>
               <a:rPr lang="en-GB" dirty="0"/>
-              <a:t>Draw your own graphs</a:t>
+              <a:t>Draw your own graphs (bonus activity)</a:t>
             </a:r>
           </a:p>
         </p:txBody>
@@ -8365,13 +8371,16 @@
             </a:pPr>
             <a:r>
               <a:rPr lang="en-GB" sz="2400" dirty="0"/>
-              <a:t>Use the graphs in the graphs folder (</a:t>
-            </a:r>
-            <a:r>
-              <a:rPr lang="en-GB" sz="2400"/>
-              <a:t>our dataset!)</a:t>
-            </a:r>
-            <a:endParaRPr lang="en-GB" sz="2400" dirty="0"/>
+              <a:t>Use the graphs in the graphs folder (.</a:t>
+            </a:r>
+            <a:r>
+              <a:rPr lang="en-GB" sz="2400" dirty="0" err="1"/>
+              <a:t>gfa</a:t>
+            </a:r>
+            <a:r>
+              <a:rPr lang="en-GB" sz="2400" dirty="0"/>
+              <a:t> file) (our dataset!)</a:t>
+            </a:r>
           </a:p>
           <a:p>
             <a:pPr marL="285750" indent="-285750">
